--- a/sa/文档/2018 软件体系结构（5）：工厂模式.pptx
+++ b/sa/文档/2018 软件体系结构（5）：工厂模式.pptx
@@ -3396,7 +3396,7 @@
           <a:p>
             <a:r>
               <a:rPr lang="zh-CN" altLang="en-US"/>
-              <a:t>工厂方法模式</a:t>
+              <a:t>工厂模式</a:t>
             </a:r>
             <a:endParaRPr lang="zh-CN" altLang="en-US"/>
           </a:p>

--- a/sa/文档/2018 软件体系结构（5）：工厂模式.pptx
+++ b/sa/文档/2018 软件体系结构（5）：工厂模式.pptx
@@ -12,6 +12,7 @@
     <p:sldId id="257" r:id="rId5"/>
     <p:sldId id="258" r:id="rId6"/>
     <p:sldId id="259" r:id="rId7"/>
+    <p:sldId id="260" r:id="rId8"/>
   </p:sldIdLst>
   <p:sldSz cx="12192000" cy="6858000"/>
   <p:notesSz cx="6858000" cy="9144000"/>
@@ -3580,9 +3581,170 @@
 </p:sld>
 </file>
 
+<file path=ppt/slides/slide5.xml><?xml version="1.0" encoding="utf-8"?>
+<p:sld xmlns:a="http://schemas.openxmlformats.org/drawingml/2006/main" xmlns:r="http://schemas.openxmlformats.org/officeDocument/2006/relationships" xmlns:p="http://schemas.openxmlformats.org/presentationml/2006/main">
+  <p:cSld>
+    <p:spTree>
+      <p:nvGrpSpPr>
+        <p:cNvPr id="1" name=""/>
+        <p:cNvGrpSpPr/>
+        <p:nvPr/>
+      </p:nvGrpSpPr>
+      <p:grpSpPr/>
+      <p:sp>
+        <p:nvSpPr>
+          <p:cNvPr id="2" name="标题 1"/>
+          <p:cNvSpPr>
+            <a:spLocks noGrp="1"/>
+          </p:cNvSpPr>
+          <p:nvPr>
+            <p:ph type="title"/>
+          </p:nvPr>
+        </p:nvSpPr>
+        <p:spPr/>
+        <p:txBody>
+          <a:bodyPr/>
+          <a:p>
+            <a:r>
+              <a:rPr lang="zh-CN" altLang="en-US"/>
+              <a:t>实验说明</a:t>
+            </a:r>
+            <a:endParaRPr lang="zh-CN" altLang="en-US"/>
+          </a:p>
+        </p:txBody>
+      </p:sp>
+      <p:sp>
+        <p:nvSpPr>
+          <p:cNvPr id="3" name="内容占位符 2"/>
+          <p:cNvSpPr>
+            <a:spLocks noGrp="1"/>
+          </p:cNvSpPr>
+          <p:nvPr>
+            <p:ph idx="1"/>
+          </p:nvPr>
+        </p:nvSpPr>
+        <p:spPr/>
+        <p:txBody>
+          <a:bodyPr/>
+          <a:p>
+            <a:r>
+              <a:rPr lang="zh-CN" altLang="en-US"/>
+              <a:t>本课程所有的实验都在一个项目的不同目录下</a:t>
+            </a:r>
+            <a:endParaRPr lang="zh-CN" altLang="en-US"/>
+          </a:p>
+          <a:p>
+            <a:pPr lvl="1"/>
+            <a:r>
+              <a:rPr lang="zh-CN" altLang="en-US"/>
+              <a:t>项目名称：学号姓名，学号和姓名之间不要由任何字符，姓名之后不要由任何字符，姓名用中文。例如：</a:t>
+            </a:r>
+            <a:r>
+              <a:rPr lang="en-US" altLang="zh-CN"/>
+              <a:t>201530690001</a:t>
+            </a:r>
+            <a:r>
+              <a:rPr lang="zh-CN" altLang="en-US"/>
+              <a:t>张山</a:t>
+            </a:r>
+            <a:endParaRPr lang="zh-CN" altLang="en-US"/>
+          </a:p>
+          <a:p>
+            <a:pPr lvl="1"/>
+            <a:r>
+              <a:rPr lang="zh-CN" altLang="en-US"/>
+              <a:t>实验包的应该是</a:t>
+            </a:r>
+            <a:r>
+              <a:rPr lang="en-US" altLang="zh-CN"/>
+              <a:t>cn.edu.scau.cmi.zhangshan</a:t>
+            </a:r>
+            <a:r>
+              <a:rPr lang="zh-CN" altLang="en-US"/>
+              <a:t>的不同子包，名字不要随意取，不清楚的话可以参考老师的。</a:t>
+            </a:r>
+            <a:endParaRPr lang="zh-CN" altLang="en-US"/>
+          </a:p>
+          <a:p>
+            <a:pPr lvl="1"/>
+            <a:r>
+              <a:rPr lang="zh-CN" altLang="en-US"/>
+              <a:t>开发工具使用</a:t>
+            </a:r>
+            <a:r>
+              <a:rPr lang="en-US" altLang="zh-CN"/>
+              <a:t>eclipse</a:t>
+            </a:r>
+            <a:r>
+              <a:rPr lang="zh-CN" altLang="en-US"/>
+              <a:t>或者</a:t>
+            </a:r>
+            <a:r>
+              <a:rPr lang="en-US" altLang="zh-CN"/>
+              <a:t>myeclipse</a:t>
+            </a:r>
+            <a:r>
+              <a:rPr lang="zh-CN" altLang="en-US"/>
+              <a:t>，使用</a:t>
+            </a:r>
+            <a:r>
+              <a:rPr lang="en-US" altLang="zh-CN"/>
+              <a:t>netbeans</a:t>
+            </a:r>
+            <a:r>
+              <a:rPr lang="zh-CN" altLang="en-US"/>
+              <a:t>或者</a:t>
+            </a:r>
+            <a:r>
+              <a:rPr lang="en-US" altLang="zh-CN"/>
+              <a:t>IJ</a:t>
+            </a:r>
+            <a:r>
+              <a:rPr lang="zh-CN" altLang="en-US"/>
+              <a:t>的同学提交实验我检查的时候，请先转换为</a:t>
+            </a:r>
+            <a:r>
+              <a:rPr lang="en-US" altLang="zh-CN"/>
+              <a:t>eclipse</a:t>
+            </a:r>
+            <a:r>
+              <a:rPr lang="zh-CN" altLang="en-US"/>
+              <a:t>的平台。</a:t>
+            </a:r>
+            <a:endParaRPr lang="zh-CN" altLang="en-US"/>
+          </a:p>
+          <a:p>
+            <a:pPr lvl="1"/>
+            <a:r>
+              <a:rPr lang="zh-CN" altLang="en-US"/>
+              <a:t>本次作业的实验代码和文档下周一中午前交。</a:t>
+            </a:r>
+            <a:endParaRPr lang="zh-CN" altLang="en-US"/>
+          </a:p>
+        </p:txBody>
+      </p:sp>
+    </p:spTree>
+    <p:custDataLst>
+      <p:tags r:id="rId1"/>
+    </p:custDataLst>
+  </p:cSld>
+  <p:clrMapOvr>
+    <a:masterClrMapping/>
+  </p:clrMapOvr>
+</p:sld>
+</file>
+
 <file path=ppt/tags/tag1.xml><?xml version="1.0" encoding="utf-8"?>
 <p:tagLst xmlns:p="http://schemas.openxmlformats.org/presentationml/2006/main">
   <p:tag name="KSO_WM_TAG_VERSION" val="1.0"/>
+  <p:tag name="KSO_WM_TEMPLATE_CATEGORY" val="custom"/>
+  <p:tag name="KSO_WM_TEMPLATE_INDEX" val="20184553"/>
+</p:tagLst>
+</file>
+
+<file path=ppt/tags/tag10.xml><?xml version="1.0" encoding="utf-8"?>
+<p:tagLst xmlns:p="http://schemas.openxmlformats.org/presentationml/2006/main">
+  <p:tag name="KSO_WM_BEAUTIFY_FLAG" val="#wm#"/>
   <p:tag name="KSO_WM_TEMPLATE_CATEGORY" val="custom"/>
   <p:tag name="KSO_WM_TEMPLATE_INDEX" val="20184553"/>
 </p:tagLst>

--- a/sa/文档/2018 软件体系结构（5）：工厂模式.pptx
+++ b/sa/文档/2018 软件体系结构（5）：工厂模式.pptx
@@ -3640,14 +3640,26 @@
               <a:t>项目名称：学号姓名，学号和姓名之间不要由任何字符，姓名之后不要由任何字符，姓名用中文。例如：</a:t>
             </a:r>
             <a:r>
-              <a:rPr lang="en-US" altLang="zh-CN"/>
+              <a:rPr lang="en-US" altLang="zh-CN">
+                <a:solidFill>
+                  <a:srgbClr val="FF0000"/>
+                </a:solidFill>
+              </a:rPr>
               <a:t>201530690001</a:t>
             </a:r>
             <a:r>
-              <a:rPr lang="zh-CN" altLang="en-US"/>
+              <a:rPr lang="zh-CN" altLang="en-US">
+                <a:solidFill>
+                  <a:srgbClr val="FF0000"/>
+                </a:solidFill>
+              </a:rPr>
               <a:t>张山</a:t>
             </a:r>
-            <a:endParaRPr lang="zh-CN" altLang="en-US"/>
+            <a:endParaRPr lang="zh-CN" altLang="en-US">
+              <a:solidFill>
+                <a:srgbClr val="FF0000"/>
+              </a:solidFill>
+            </a:endParaRPr>
           </a:p>
           <a:p>
             <a:pPr lvl="1"/>
@@ -3669,6 +3681,26 @@
             <a:pPr lvl="1"/>
             <a:r>
               <a:rPr lang="zh-CN" altLang="en-US"/>
+              <a:t>实验的文档命名规范：每次实验的命名例子是：</a:t>
+            </a:r>
+            <a:r>
+              <a:rPr lang="zh-CN" altLang="en-US">
+                <a:solidFill>
+                  <a:srgbClr val="FF0000"/>
+                </a:solidFill>
+              </a:rPr>
+              <a:t>201530690101张三-实验四-工厂模式.doc</a:t>
+            </a:r>
+            <a:endParaRPr lang="zh-CN" altLang="en-US">
+              <a:solidFill>
+                <a:srgbClr val="FF0000"/>
+              </a:solidFill>
+            </a:endParaRPr>
+          </a:p>
+          <a:p>
+            <a:pPr lvl="1"/>
+            <a:r>
+              <a:rPr lang="zh-CN" altLang="en-US"/>
               <a:t>开发工具使用</a:t>
             </a:r>
             <a:r>
@@ -3709,7 +3741,52 @@
             </a:r>
             <a:r>
               <a:rPr lang="zh-CN" altLang="en-US"/>
-              <a:t>的平台。</a:t>
+              <a:t>的平台，然后压缩为</a:t>
+            </a:r>
+            <a:r>
+              <a:rPr lang="en-US" altLang="zh-CN">
+                <a:solidFill>
+                  <a:srgbClr val="FF0000"/>
+                </a:solidFill>
+              </a:rPr>
+              <a:t>zip</a:t>
+            </a:r>
+            <a:r>
+              <a:rPr lang="zh-CN" altLang="en-US"/>
+              <a:t>文件，例子：</a:t>
+            </a:r>
+            <a:r>
+              <a:rPr lang="en-US" altLang="zh-CN">
+                <a:solidFill>
+                  <a:srgbClr val="FF0000"/>
+                </a:solidFill>
+                <a:sym typeface="+mn-ea"/>
+              </a:rPr>
+              <a:t>201530690001</a:t>
+            </a:r>
+            <a:r>
+              <a:rPr lang="zh-CN" altLang="en-US">
+                <a:solidFill>
+                  <a:srgbClr val="FF0000"/>
+                </a:solidFill>
+                <a:sym typeface="+mn-ea"/>
+              </a:rPr>
+              <a:t>张山</a:t>
+            </a:r>
+            <a:r>
+              <a:rPr lang="en-US" altLang="zh-CN">
+                <a:solidFill>
+                  <a:srgbClr val="FF0000"/>
+                </a:solidFill>
+                <a:sym typeface="+mn-ea"/>
+              </a:rPr>
+              <a:t>.zip, </a:t>
+            </a:r>
+            <a:r>
+              <a:rPr lang="zh-CN" altLang="en-US">
+                <a:sym typeface="+mn-ea"/>
+              </a:rPr>
+              <a:t>这样，我用eclipse就可以导入同学们的项目进行检查。</a:t>
             </a:r>
             <a:endParaRPr lang="zh-CN" altLang="en-US"/>
           </a:p>
